--- a/2-ASPNET-and-VS-Web-Tooling.pptx
+++ b/2-ASPNET-and-VS-Web-Tooling.pptx
@@ -11,7 +11,7 @@
     <p:sldMasterId id="2147483758" r:id="rId7"/>
   </p:sldMasterIdLst>
   <p:notesMasterIdLst>
-    <p:notesMasterId r:id="rId28"/>
+    <p:notesMasterId r:id="rId29"/>
   </p:notesMasterIdLst>
   <p:sldIdLst>
     <p:sldId id="269" r:id="rId8"/>
@@ -33,7 +33,8 @@
     <p:sldId id="265" r:id="rId24"/>
     <p:sldId id="278" r:id="rId25"/>
     <p:sldId id="279" r:id="rId26"/>
-    <p:sldId id="263" r:id="rId27"/>
+    <p:sldId id="286" r:id="rId27"/>
+    <p:sldId id="263" r:id="rId28"/>
   </p:sldIdLst>
   <p:sldSz cx="12192000" cy="6858000"/>
   <p:notesSz cx="6858000" cy="9144000"/>
@@ -222,7 +223,7 @@
           <a:p>
             <a:fld id="{0E990FE3-7537-4D15-A9F5-FDF1805FD5F8}" type="datetimeFigureOut">
               <a:rPr lang="en-US" smtClean="0"/>
-              <a:t>9/20/2013</a:t>
+              <a:t>10/11/2013</a:t>
             </a:fld>
             <a:endParaRPr lang="en-US"/>
           </a:p>
@@ -18986,7 +18987,12 @@
             <p:ph sz="half" idx="2"/>
           </p:nvPr>
         </p:nvSpPr>
-        <p:spPr/>
+        <p:spPr>
+          <a:xfrm>
+            <a:off x="404584" y="1970209"/>
+            <a:ext cx="5616915" cy="4161084"/>
+          </a:xfrm>
+        </p:spPr>
         <p:txBody>
           <a:bodyPr/>
           <a:lstStyle/>
@@ -19011,7 +19017,15 @@
           <a:p>
             <a:r>
               <a:rPr lang="en-US" b="0" dirty="0" smtClean="0"/>
-              <a:t>Azure website tooling</a:t>
+              <a:t>Azure </a:t>
+            </a:r>
+            <a:r>
+              <a:rPr lang="en-US" b="0" dirty="0" smtClean="0"/>
+              <a:t>Web Sites </a:t>
+            </a:r>
+            <a:r>
+              <a:rPr lang="en-US" b="0" dirty="0" smtClean="0"/>
+              <a:t>tooling</a:t>
             </a:r>
           </a:p>
           <a:p>
@@ -19022,8 +19036,8 @@
           </a:p>
           <a:p>
             <a:r>
-              <a:rPr lang="en-US" b="0" dirty="0" err="1" smtClean="0"/>
-              <a:t>Owin</a:t>
+              <a:rPr lang="en-US" b="0" dirty="0" smtClean="0"/>
+              <a:t>OWIN</a:t>
             </a:r>
             <a:endParaRPr lang="en-US" b="0" dirty="0" smtClean="0"/>
           </a:p>
@@ -19046,12 +19060,17 @@
             <p:ph sz="quarter" idx="4"/>
           </p:nvPr>
         </p:nvSpPr>
-        <p:spPr/>
+        <p:spPr>
+          <a:xfrm>
+            <a:off x="6275742" y="1742060"/>
+            <a:ext cx="5619121" cy="4389234"/>
+          </a:xfrm>
+        </p:spPr>
         <p:txBody>
           <a:bodyPr/>
           <a:lstStyle/>
           <a:p>
-            <a:endParaRPr lang="en-US"/>
+            <a:endParaRPr lang="en-US" dirty="0"/>
           </a:p>
         </p:txBody>
       </p:sp>
@@ -19087,7 +19106,7 @@
         <p:spPr>
           <a:xfrm>
             <a:off x="1959066" y="6265835"/>
-            <a:ext cx="8273868" cy="523220"/>
+            <a:ext cx="8786251" cy="523220"/>
           </a:xfrm>
           <a:prstGeom prst="rect">
             <a:avLst/>
@@ -19101,30 +19120,34 @@
           <a:lstStyle/>
           <a:p>
             <a:r>
-              <a:rPr lang="en-US" sz="2800" dirty="0" smtClean="0"/>
+              <a:rPr lang="en-US" sz="2800" dirty="0" smtClean="0">
+                <a:solidFill>
+                  <a:schemeClr val="bg1"/>
+                </a:solidFill>
+              </a:rPr>
               <a:t>Download and </a:t>
             </a:r>
             <a:r>
-              <a:rPr lang="en-US" sz="2800" dirty="0"/>
-              <a:t>more info at: </a:t>
-            </a:r>
-            <a:r>
               <a:rPr lang="en-US" sz="2800" dirty="0">
-                <a:hlinkClick r:id="rId2"/>
+                <a:solidFill>
+                  <a:schemeClr val="bg1"/>
+                </a:solidFill>
               </a:rPr>
-              <a:t>http://</a:t>
+              <a:t>more info at: http://</a:t>
             </a:r>
             <a:r>
               <a:rPr lang="en-US" sz="2800" dirty="0" smtClean="0">
-                <a:hlinkClick r:id="rId2"/>
+                <a:solidFill>
+                  <a:schemeClr val="bg1"/>
+                </a:solidFill>
               </a:rPr>
-              <a:t>www.asp.net/vnext</a:t>
-            </a:r>
-            <a:r>
-              <a:rPr lang="en-US" sz="2800" dirty="0" smtClean="0"/>
-              <a:t> </a:t>
-            </a:r>
-            <a:endParaRPr lang="en-US" sz="2800" dirty="0"/>
+              <a:t>www.asp.net/vnext </a:t>
+            </a:r>
+            <a:endParaRPr lang="en-US" sz="2800" dirty="0">
+              <a:solidFill>
+                <a:schemeClr val="bg1"/>
+              </a:solidFill>
+            </a:endParaRPr>
           </a:p>
         </p:txBody>
       </p:sp>
@@ -19168,7 +19191,12 @@
             <p:ph sz="half" idx="2"/>
           </p:nvPr>
         </p:nvSpPr>
-        <p:spPr/>
+        <p:spPr>
+          <a:xfrm>
+            <a:off x="379511" y="2030931"/>
+            <a:ext cx="5616915" cy="4293671"/>
+          </a:xfrm>
+        </p:spPr>
         <p:txBody>
           <a:bodyPr/>
           <a:lstStyle/>
@@ -19208,8 +19236,8 @@
           </a:p>
           <a:p>
             <a:r>
-              <a:rPr lang="en-US" b="0" dirty="0" err="1" smtClean="0"/>
-              <a:t>Owin</a:t>
+              <a:rPr lang="en-US" b="0" dirty="0" smtClean="0"/>
+              <a:t>OWIN</a:t>
             </a:r>
             <a:endParaRPr lang="en-US" b="0" dirty="0" smtClean="0"/>
           </a:p>
@@ -19246,7 +19274,7 @@
         </p:blipFill>
         <p:spPr>
           <a:xfrm>
-            <a:off x="6141730" y="1371601"/>
+            <a:off x="6218732" y="2430600"/>
             <a:ext cx="5619750" cy="3494331"/>
           </a:xfrm>
         </p:spPr>
@@ -19404,8 +19432,8 @@
           </a:p>
           <a:p>
             <a:r>
-              <a:rPr lang="en-US" b="0" dirty="0" err="1" smtClean="0"/>
-              <a:t>Owin</a:t>
+              <a:rPr lang="en-US" b="0" dirty="0" smtClean="0"/>
+              <a:t>OWIN</a:t>
             </a:r>
             <a:endParaRPr lang="en-US" b="0" dirty="0" smtClean="0"/>
           </a:p>
@@ -19600,8 +19628,8 @@
           </a:p>
           <a:p>
             <a:r>
-              <a:rPr lang="en-US" b="0" dirty="0" err="1" smtClean="0"/>
-              <a:t>Owin</a:t>
+              <a:rPr lang="en-US" b="0" dirty="0" smtClean="0"/>
+              <a:t>OWIN</a:t>
             </a:r>
             <a:endParaRPr lang="en-US" b="0" dirty="0" smtClean="0"/>
           </a:p>
@@ -19796,8 +19824,8 @@
           </a:p>
           <a:p>
             <a:r>
-              <a:rPr lang="en-US" b="0" dirty="0" err="1" smtClean="0"/>
-              <a:t>Owin</a:t>
+              <a:rPr lang="en-US" b="0" dirty="0" smtClean="0"/>
+              <a:t>OWIN</a:t>
             </a:r>
             <a:endParaRPr lang="en-US" b="0" dirty="0" smtClean="0"/>
           </a:p>
@@ -20625,7 +20653,7 @@
           <p:nvPr>
             <p:extLst>
               <p:ext uri="{D42A27DB-BD31-4B8C-83A1-F6EECF244321}">
-                <p14:modId xmlns:p14="http://schemas.microsoft.com/office/powerpoint/2010/main" val="416887461"/>
+                <p14:modId xmlns:p14="http://schemas.microsoft.com/office/powerpoint/2010/main" val="1180602953"/>
               </p:ext>
             </p:extLst>
           </p:nvPr>
@@ -20741,7 +20769,11 @@
                     <a:p>
                       <a:r>
                         <a:rPr lang="en-US" sz="2000" dirty="0" smtClean="0"/>
-                        <a:t>Introduction to ASP.NET and Visual Studio 2013 Web Tooling</a:t>
+                        <a:t>Introduction to ASP.NET and Visual Studio 2013 Web </a:t>
+                      </a:r>
+                      <a:r>
+                        <a:rPr lang="en-US" sz="2000" dirty="0" smtClean="0"/>
+                        <a:t>Tools</a:t>
                       </a:r>
                       <a:endParaRPr lang="en-US" sz="2000" dirty="0"/>
                     </a:p>
@@ -21243,6 +21275,123 @@
 <file path=ppt/slides/slide20.xml><?xml version="1.0" encoding="utf-8"?>
 <p:sld xmlns:a="http://schemas.openxmlformats.org/drawingml/2006/main" xmlns:r="http://schemas.openxmlformats.org/officeDocument/2006/relationships" xmlns:p="http://schemas.openxmlformats.org/presentationml/2006/main">
   <p:cSld>
+    <p:spTree>
+      <p:nvGrpSpPr>
+        <p:cNvPr id="1" name=""/>
+        <p:cNvGrpSpPr/>
+        <p:nvPr/>
+      </p:nvGrpSpPr>
+      <p:grpSpPr>
+        <a:xfrm>
+          <a:off x="0" y="0"/>
+          <a:ext cx="0" cy="0"/>
+          <a:chOff x="0" y="0"/>
+          <a:chExt cx="0" cy="0"/>
+        </a:xfrm>
+      </p:grpSpPr>
+      <p:sp>
+        <p:nvSpPr>
+          <p:cNvPr id="2" name="Title 1"/>
+          <p:cNvSpPr>
+            <a:spLocks noGrp="1"/>
+          </p:cNvSpPr>
+          <p:nvPr>
+            <p:ph type="title"/>
+          </p:nvPr>
+        </p:nvSpPr>
+        <p:spPr/>
+        <p:txBody>
+          <a:bodyPr/>
+          <a:lstStyle/>
+          <a:p>
+            <a:r>
+              <a:rPr lang="en-US" dirty="0" smtClean="0"/>
+              <a:t>Resources</a:t>
+            </a:r>
+            <a:endParaRPr lang="en-US" dirty="0"/>
+          </a:p>
+        </p:txBody>
+      </p:sp>
+      <p:sp>
+        <p:nvSpPr>
+          <p:cNvPr id="3" name="Content Placeholder 2"/>
+          <p:cNvSpPr>
+            <a:spLocks noGrp="1"/>
+          </p:cNvSpPr>
+          <p:nvPr>
+            <p:ph idx="1"/>
+          </p:nvPr>
+        </p:nvSpPr>
+        <p:spPr/>
+        <p:txBody>
+          <a:bodyPr/>
+          <a:lstStyle/>
+          <a:p>
+            <a:r>
+              <a:rPr lang="en-US" dirty="0" smtClean="0"/>
+              <a:t>Install 2013 (link)</a:t>
+            </a:r>
+          </a:p>
+          <a:p>
+            <a:r>
+              <a:rPr lang="en-US" dirty="0" smtClean="0"/>
+              <a:t>Bootstrap articles (links)</a:t>
+            </a:r>
+          </a:p>
+          <a:p>
+            <a:r>
+              <a:rPr lang="en-US" dirty="0" smtClean="0"/>
+              <a:t>Identity Articles (links)</a:t>
+            </a:r>
+          </a:p>
+          <a:p>
+            <a:r>
+              <a:rPr lang="en-US" dirty="0" smtClean="0"/>
+              <a:t>OWIN Article</a:t>
+            </a:r>
+            <a:endParaRPr lang="en-US" dirty="0"/>
+          </a:p>
+        </p:txBody>
+      </p:sp>
+      <p:sp>
+        <p:nvSpPr>
+          <p:cNvPr id="4" name="Slide Number Placeholder 3"/>
+          <p:cNvSpPr>
+            <a:spLocks noGrp="1"/>
+          </p:cNvSpPr>
+          <p:nvPr>
+            <p:ph type="sldNum" sz="quarter" idx="12"/>
+          </p:nvPr>
+        </p:nvSpPr>
+        <p:spPr/>
+        <p:txBody>
+          <a:bodyPr/>
+          <a:lstStyle/>
+          <a:p>
+            <a:fld id="{0A164282-434E-41D4-9582-783D542A7B68}" type="slidenum">
+              <a:rPr lang="en-US" smtClean="0"/>
+              <a:t>20</a:t>
+            </a:fld>
+            <a:endParaRPr lang="en-US"/>
+          </a:p>
+        </p:txBody>
+      </p:sp>
+    </p:spTree>
+    <p:extLst>
+      <p:ext uri="{BB962C8B-B14F-4D97-AF65-F5344CB8AC3E}">
+        <p14:creationId xmlns:p14="http://schemas.microsoft.com/office/powerpoint/2010/main" val="2589799326"/>
+      </p:ext>
+    </p:extLst>
+  </p:cSld>
+  <p:clrMapOvr>
+    <a:masterClrMapping/>
+  </p:clrMapOvr>
+</p:sld>
+</file>
+
+<file path=ppt/slides/slide21.xml><?xml version="1.0" encoding="utf-8"?>
+<p:sld xmlns:a="http://schemas.openxmlformats.org/drawingml/2006/main" xmlns:r="http://schemas.openxmlformats.org/officeDocument/2006/relationships" xmlns:p="http://schemas.openxmlformats.org/presentationml/2006/main">
+  <p:cSld>
     <p:bg>
       <p:bgPr>
         <a:solidFill>
@@ -21842,8 +21991,8 @@
           <a:lstStyle/>
           <a:p>
             <a:r>
-              <a:rPr lang="en-US" dirty="0" err="1" smtClean="0"/>
-              <a:t>BrowserLink</a:t>
+              <a:rPr lang="en-US" dirty="0" smtClean="0"/>
+              <a:t>Browser Link</a:t>
             </a:r>
             <a:endParaRPr lang="en-US" dirty="0"/>
           </a:p>
@@ -21953,7 +22102,15 @@
           <a:p>
             <a:r>
               <a:rPr lang="en-US" dirty="0" smtClean="0"/>
-              <a:t>ASP.NET and Web Tools 2012.2</a:t>
+              <a:t>ASP.NET </a:t>
+            </a:r>
+            <a:r>
+              <a:rPr lang="en-US" dirty="0" smtClean="0"/>
+              <a:t>&amp; </a:t>
+            </a:r>
+            <a:r>
+              <a:rPr lang="en-US" dirty="0" smtClean="0"/>
+              <a:t>Web Tools 2012.2</a:t>
             </a:r>
             <a:br>
               <a:rPr lang="en-US" dirty="0" smtClean="0"/>
@@ -21963,25 +22120,6 @@
               <a:t>(Included in Visual Studio Updates)</a:t>
             </a:r>
             <a:endParaRPr lang="en-US" sz="3600" dirty="0"/>
-          </a:p>
-        </p:txBody>
-      </p:sp>
-      <p:sp>
-        <p:nvSpPr>
-          <p:cNvPr id="3" name="Text Placeholder 2"/>
-          <p:cNvSpPr>
-            <a:spLocks noGrp="1"/>
-          </p:cNvSpPr>
-          <p:nvPr>
-            <p:ph type="body" sz="quarter" idx="10"/>
-          </p:nvPr>
-        </p:nvSpPr>
-        <p:spPr/>
-        <p:txBody>
-          <a:bodyPr/>
-          <a:lstStyle/>
-          <a:p>
-            <a:endParaRPr lang="en-US"/>
           </a:p>
         </p:txBody>
       </p:sp>
@@ -22007,8 +22145,8 @@
         </p:blipFill>
         <p:spPr>
           <a:xfrm>
-            <a:off x="1212306" y="1365515"/>
-            <a:ext cx="9767387" cy="5217539"/>
+            <a:off x="1706642" y="1980270"/>
+            <a:ext cx="8778717" cy="4689411"/>
           </a:xfrm>
           <a:prstGeom prst="rect">
             <a:avLst/>

--- a/2-ASPNET-and-VS-Web-Tooling.pptx
+++ b/2-ASPNET-and-VS-Web-Tooling.pptx
@@ -11,7 +11,7 @@
     <p:sldMasterId id="2147483758" r:id="rId7"/>
   </p:sldMasterIdLst>
   <p:notesMasterIdLst>
-    <p:notesMasterId r:id="rId29"/>
+    <p:notesMasterId r:id="rId28"/>
   </p:notesMasterIdLst>
   <p:sldIdLst>
     <p:sldId id="269" r:id="rId8"/>
@@ -33,8 +33,7 @@
     <p:sldId id="265" r:id="rId24"/>
     <p:sldId id="278" r:id="rId25"/>
     <p:sldId id="279" r:id="rId26"/>
-    <p:sldId id="286" r:id="rId27"/>
-    <p:sldId id="263" r:id="rId28"/>
+    <p:sldId id="263" r:id="rId27"/>
   </p:sldIdLst>
   <p:sldSz cx="12192000" cy="6858000"/>
   <p:notesSz cx="6858000" cy="9144000"/>
@@ -223,7 +222,7 @@
           <a:p>
             <a:fld id="{0E990FE3-7537-4D15-A9F5-FDF1805FD5F8}" type="datetimeFigureOut">
               <a:rPr lang="en-US" smtClean="0"/>
-              <a:t>10/11/2013</a:t>
+              <a:t>11/27/2013</a:t>
             </a:fld>
             <a:endParaRPr lang="en-US"/>
           </a:p>
@@ -18987,12 +18986,7 @@
             <p:ph sz="half" idx="2"/>
           </p:nvPr>
         </p:nvSpPr>
-        <p:spPr>
-          <a:xfrm>
-            <a:off x="404584" y="1970209"/>
-            <a:ext cx="5616915" cy="4161084"/>
-          </a:xfrm>
-        </p:spPr>
+        <p:spPr/>
         <p:txBody>
           <a:bodyPr/>
           <a:lstStyle/>
@@ -19017,15 +19011,7 @@
           <a:p>
             <a:r>
               <a:rPr lang="en-US" b="0" dirty="0" smtClean="0"/>
-              <a:t>Azure </a:t>
-            </a:r>
-            <a:r>
-              <a:rPr lang="en-US" b="0" dirty="0" smtClean="0"/>
-              <a:t>Web Sites </a:t>
-            </a:r>
-            <a:r>
-              <a:rPr lang="en-US" b="0" dirty="0" smtClean="0"/>
-              <a:t>tooling</a:t>
+              <a:t>Azure website tooling</a:t>
             </a:r>
           </a:p>
           <a:p>
@@ -19036,8 +19022,8 @@
           </a:p>
           <a:p>
             <a:r>
-              <a:rPr lang="en-US" b="0" dirty="0" smtClean="0"/>
-              <a:t>OWIN</a:t>
+              <a:rPr lang="en-US" b="0" dirty="0" err="1" smtClean="0"/>
+              <a:t>Owin</a:t>
             </a:r>
             <a:endParaRPr lang="en-US" b="0" dirty="0" smtClean="0"/>
           </a:p>
@@ -19060,17 +19046,12 @@
             <p:ph sz="quarter" idx="4"/>
           </p:nvPr>
         </p:nvSpPr>
-        <p:spPr>
-          <a:xfrm>
-            <a:off x="6275742" y="1742060"/>
-            <a:ext cx="5619121" cy="4389234"/>
-          </a:xfrm>
-        </p:spPr>
+        <p:spPr/>
         <p:txBody>
           <a:bodyPr/>
           <a:lstStyle/>
           <a:p>
-            <a:endParaRPr lang="en-US" dirty="0"/>
+            <a:endParaRPr lang="en-US"/>
           </a:p>
         </p:txBody>
       </p:sp>
@@ -19084,14 +19065,23 @@
             <p:ph type="title"/>
           </p:nvPr>
         </p:nvSpPr>
-        <p:spPr/>
+        <p:spPr>
+          <a:xfrm>
+            <a:off x="560798" y="10093"/>
+            <a:ext cx="11079822" cy="1325563"/>
+          </a:xfrm>
+        </p:spPr>
         <p:txBody>
           <a:bodyPr/>
           <a:lstStyle/>
           <a:p>
             <a:r>
               <a:rPr lang="en-US" dirty="0" smtClean="0"/>
-              <a:t>Visual Studio 2013 RC</a:t>
+              <a:t>Visual Studio </a:t>
+            </a:r>
+            <a:r>
+              <a:rPr lang="en-US" dirty="0" smtClean="0"/>
+              <a:t>2013</a:t>
             </a:r>
             <a:endParaRPr lang="en-US" dirty="0"/>
           </a:p>
@@ -19106,7 +19096,7 @@
         <p:spPr>
           <a:xfrm>
             <a:off x="1959066" y="6265835"/>
-            <a:ext cx="8786251" cy="523220"/>
+            <a:ext cx="8273868" cy="523220"/>
           </a:xfrm>
           <a:prstGeom prst="rect">
             <a:avLst/>
@@ -19120,34 +19110,30 @@
           <a:lstStyle/>
           <a:p>
             <a:r>
+              <a:rPr lang="en-US" sz="2800" dirty="0" smtClean="0"/>
+              <a:t>Download and </a:t>
+            </a:r>
+            <a:r>
+              <a:rPr lang="en-US" sz="2800" dirty="0"/>
+              <a:t>more info at: </a:t>
+            </a:r>
+            <a:r>
+              <a:rPr lang="en-US" sz="2800" dirty="0">
+                <a:hlinkClick r:id="rId2"/>
+              </a:rPr>
+              <a:t>http://</a:t>
+            </a:r>
+            <a:r>
               <a:rPr lang="en-US" sz="2800" dirty="0" smtClean="0">
-                <a:solidFill>
-                  <a:schemeClr val="bg1"/>
-                </a:solidFill>
+                <a:hlinkClick r:id="rId2"/>
               </a:rPr>
-              <a:t>Download and </a:t>
-            </a:r>
-            <a:r>
-              <a:rPr lang="en-US" sz="2800" dirty="0">
-                <a:solidFill>
-                  <a:schemeClr val="bg1"/>
-                </a:solidFill>
-              </a:rPr>
-              <a:t>more info at: http://</a:t>
-            </a:r>
-            <a:r>
-              <a:rPr lang="en-US" sz="2800" dirty="0" smtClean="0">
-                <a:solidFill>
-                  <a:schemeClr val="bg1"/>
-                </a:solidFill>
-              </a:rPr>
-              <a:t>www.asp.net/vnext </a:t>
-            </a:r>
-            <a:endParaRPr lang="en-US" sz="2800" dirty="0">
-              <a:solidFill>
-                <a:schemeClr val="bg1"/>
-              </a:solidFill>
-            </a:endParaRPr>
+              <a:t>www.asp.net/vnext</a:t>
+            </a:r>
+            <a:r>
+              <a:rPr lang="en-US" sz="2800" dirty="0" smtClean="0"/>
+              <a:t> </a:t>
+            </a:r>
+            <a:endParaRPr lang="en-US" sz="2800" dirty="0"/>
           </a:p>
         </p:txBody>
       </p:sp>
@@ -19191,12 +19177,7 @@
             <p:ph sz="half" idx="2"/>
           </p:nvPr>
         </p:nvSpPr>
-        <p:spPr>
-          <a:xfrm>
-            <a:off x="379511" y="2030931"/>
-            <a:ext cx="5616915" cy="4293671"/>
-          </a:xfrm>
-        </p:spPr>
+        <p:spPr/>
         <p:txBody>
           <a:bodyPr/>
           <a:lstStyle/>
@@ -19236,8 +19217,8 @@
           </a:p>
           <a:p>
             <a:r>
-              <a:rPr lang="en-US" b="0" dirty="0" smtClean="0"/>
-              <a:t>OWIN</a:t>
+              <a:rPr lang="en-US" b="0" dirty="0" err="1" smtClean="0"/>
+              <a:t>Owin</a:t>
             </a:r>
             <a:endParaRPr lang="en-US" b="0" dirty="0" smtClean="0"/>
           </a:p>
@@ -19274,7 +19255,7 @@
         </p:blipFill>
         <p:spPr>
           <a:xfrm>
-            <a:off x="6218732" y="2430600"/>
+            <a:off x="6141730" y="1371601"/>
             <a:ext cx="5619750" cy="3494331"/>
           </a:xfrm>
         </p:spPr>
@@ -19289,14 +19270,23 @@
             <p:ph type="title"/>
           </p:nvPr>
         </p:nvSpPr>
-        <p:spPr/>
+        <p:spPr>
+          <a:xfrm>
+            <a:off x="560798" y="1625"/>
+            <a:ext cx="11079822" cy="1325563"/>
+          </a:xfrm>
+        </p:spPr>
         <p:txBody>
           <a:bodyPr/>
           <a:lstStyle/>
           <a:p>
             <a:r>
               <a:rPr lang="en-US" dirty="0" smtClean="0"/>
-              <a:t>Visual Studio 2013 RC</a:t>
+              <a:t>Visual Studio </a:t>
+            </a:r>
+            <a:r>
+              <a:rPr lang="en-US" dirty="0" smtClean="0"/>
+              <a:t>2013</a:t>
             </a:r>
             <a:endParaRPr lang="en-US" dirty="0"/>
           </a:p>
@@ -19432,8 +19422,8 @@
           </a:p>
           <a:p>
             <a:r>
-              <a:rPr lang="en-US" b="0" dirty="0" smtClean="0"/>
-              <a:t>OWIN</a:t>
+              <a:rPr lang="en-US" b="0" dirty="0" err="1" smtClean="0"/>
+              <a:t>Owin</a:t>
             </a:r>
             <a:endParaRPr lang="en-US" b="0" dirty="0" smtClean="0"/>
           </a:p>
@@ -19485,14 +19475,23 @@
             <p:ph type="title"/>
           </p:nvPr>
         </p:nvSpPr>
-        <p:spPr/>
+        <p:spPr>
+          <a:xfrm>
+            <a:off x="560798" y="1632"/>
+            <a:ext cx="11079822" cy="1325563"/>
+          </a:xfrm>
+        </p:spPr>
         <p:txBody>
           <a:bodyPr/>
           <a:lstStyle/>
           <a:p>
             <a:r>
               <a:rPr lang="en-US" dirty="0" smtClean="0"/>
-              <a:t>Visual Studio 2013 RC</a:t>
+              <a:t>Visual Studio </a:t>
+            </a:r>
+            <a:r>
+              <a:rPr lang="en-US" dirty="0" smtClean="0"/>
+              <a:t>2013</a:t>
             </a:r>
             <a:endParaRPr lang="en-US" dirty="0"/>
           </a:p>
@@ -19628,8 +19627,8 @@
           </a:p>
           <a:p>
             <a:r>
-              <a:rPr lang="en-US" b="0" dirty="0" smtClean="0"/>
-              <a:t>OWIN</a:t>
+              <a:rPr lang="en-US" b="0" dirty="0" err="1" smtClean="0"/>
+              <a:t>Owin</a:t>
             </a:r>
             <a:endParaRPr lang="en-US" b="0" dirty="0" smtClean="0"/>
           </a:p>
@@ -19681,14 +19680,23 @@
             <p:ph type="title"/>
           </p:nvPr>
         </p:nvSpPr>
-        <p:spPr/>
+        <p:spPr>
+          <a:xfrm>
+            <a:off x="560798" y="10096"/>
+            <a:ext cx="11079822" cy="1325563"/>
+          </a:xfrm>
+        </p:spPr>
         <p:txBody>
           <a:bodyPr/>
           <a:lstStyle/>
           <a:p>
             <a:r>
               <a:rPr lang="en-US" dirty="0" smtClean="0"/>
-              <a:t>Visual Studio 2013 RC</a:t>
+              <a:t>Visual Studio </a:t>
+            </a:r>
+            <a:r>
+              <a:rPr lang="en-US" dirty="0" smtClean="0"/>
+              <a:t>2013</a:t>
             </a:r>
             <a:endParaRPr lang="en-US" dirty="0"/>
           </a:p>
@@ -19824,8 +19832,8 @@
           </a:p>
           <a:p>
             <a:r>
-              <a:rPr lang="en-US" b="0" dirty="0" smtClean="0"/>
-              <a:t>OWIN</a:t>
+              <a:rPr lang="en-US" b="0" dirty="0" err="1" smtClean="0"/>
+              <a:t>Owin</a:t>
             </a:r>
             <a:endParaRPr lang="en-US" b="0" dirty="0" smtClean="0"/>
           </a:p>
@@ -19877,14 +19885,23 @@
             <p:ph type="title"/>
           </p:nvPr>
         </p:nvSpPr>
-        <p:spPr/>
+        <p:spPr>
+          <a:xfrm>
+            <a:off x="560798" y="10092"/>
+            <a:ext cx="11079822" cy="1325563"/>
+          </a:xfrm>
+        </p:spPr>
         <p:txBody>
           <a:bodyPr/>
           <a:lstStyle/>
           <a:p>
             <a:r>
               <a:rPr lang="en-US" dirty="0" smtClean="0"/>
-              <a:t>Visual Studio 2013 RC</a:t>
+              <a:t>Visual Studio </a:t>
+            </a:r>
+            <a:r>
+              <a:rPr lang="en-US" dirty="0" smtClean="0"/>
+              <a:t>2013</a:t>
             </a:r>
             <a:endParaRPr lang="en-US" dirty="0"/>
           </a:p>
@@ -19987,7 +20004,11 @@
           <a:p>
             <a:r>
               <a:rPr lang="en-US" dirty="0" smtClean="0"/>
-              <a:t>Web Essential Extensions</a:t>
+              <a:t>Web Essential </a:t>
+            </a:r>
+            <a:r>
+              <a:rPr lang="en-US" dirty="0" smtClean="0"/>
+              <a:t>Extension</a:t>
             </a:r>
             <a:endParaRPr lang="en-US" dirty="0"/>
           </a:p>
@@ -20653,7 +20674,7 @@
           <p:nvPr>
             <p:extLst>
               <p:ext uri="{D42A27DB-BD31-4B8C-83A1-F6EECF244321}">
-                <p14:modId xmlns:p14="http://schemas.microsoft.com/office/powerpoint/2010/main" val="1180602953"/>
+                <p14:modId xmlns:p14="http://schemas.microsoft.com/office/powerpoint/2010/main" val="416887461"/>
               </p:ext>
             </p:extLst>
           </p:nvPr>
@@ -20769,11 +20790,7 @@
                     <a:p>
                       <a:r>
                         <a:rPr lang="en-US" sz="2000" dirty="0" smtClean="0"/>
-                        <a:t>Introduction to ASP.NET and Visual Studio 2013 Web </a:t>
-                      </a:r>
-                      <a:r>
-                        <a:rPr lang="en-US" sz="2000" dirty="0" smtClean="0"/>
-                        <a:t>Tools</a:t>
+                        <a:t>Introduction to ASP.NET and Visual Studio 2013 Web Tooling</a:t>
                       </a:r>
                       <a:endParaRPr lang="en-US" sz="2000" dirty="0"/>
                     </a:p>
@@ -21275,123 +21292,6 @@
 <file path=ppt/slides/slide20.xml><?xml version="1.0" encoding="utf-8"?>
 <p:sld xmlns:a="http://schemas.openxmlformats.org/drawingml/2006/main" xmlns:r="http://schemas.openxmlformats.org/officeDocument/2006/relationships" xmlns:p="http://schemas.openxmlformats.org/presentationml/2006/main">
   <p:cSld>
-    <p:spTree>
-      <p:nvGrpSpPr>
-        <p:cNvPr id="1" name=""/>
-        <p:cNvGrpSpPr/>
-        <p:nvPr/>
-      </p:nvGrpSpPr>
-      <p:grpSpPr>
-        <a:xfrm>
-          <a:off x="0" y="0"/>
-          <a:ext cx="0" cy="0"/>
-          <a:chOff x="0" y="0"/>
-          <a:chExt cx="0" cy="0"/>
-        </a:xfrm>
-      </p:grpSpPr>
-      <p:sp>
-        <p:nvSpPr>
-          <p:cNvPr id="2" name="Title 1"/>
-          <p:cNvSpPr>
-            <a:spLocks noGrp="1"/>
-          </p:cNvSpPr>
-          <p:nvPr>
-            <p:ph type="title"/>
-          </p:nvPr>
-        </p:nvSpPr>
-        <p:spPr/>
-        <p:txBody>
-          <a:bodyPr/>
-          <a:lstStyle/>
-          <a:p>
-            <a:r>
-              <a:rPr lang="en-US" dirty="0" smtClean="0"/>
-              <a:t>Resources</a:t>
-            </a:r>
-            <a:endParaRPr lang="en-US" dirty="0"/>
-          </a:p>
-        </p:txBody>
-      </p:sp>
-      <p:sp>
-        <p:nvSpPr>
-          <p:cNvPr id="3" name="Content Placeholder 2"/>
-          <p:cNvSpPr>
-            <a:spLocks noGrp="1"/>
-          </p:cNvSpPr>
-          <p:nvPr>
-            <p:ph idx="1"/>
-          </p:nvPr>
-        </p:nvSpPr>
-        <p:spPr/>
-        <p:txBody>
-          <a:bodyPr/>
-          <a:lstStyle/>
-          <a:p>
-            <a:r>
-              <a:rPr lang="en-US" dirty="0" smtClean="0"/>
-              <a:t>Install 2013 (link)</a:t>
-            </a:r>
-          </a:p>
-          <a:p>
-            <a:r>
-              <a:rPr lang="en-US" dirty="0" smtClean="0"/>
-              <a:t>Bootstrap articles (links)</a:t>
-            </a:r>
-          </a:p>
-          <a:p>
-            <a:r>
-              <a:rPr lang="en-US" dirty="0" smtClean="0"/>
-              <a:t>Identity Articles (links)</a:t>
-            </a:r>
-          </a:p>
-          <a:p>
-            <a:r>
-              <a:rPr lang="en-US" dirty="0" smtClean="0"/>
-              <a:t>OWIN Article</a:t>
-            </a:r>
-            <a:endParaRPr lang="en-US" dirty="0"/>
-          </a:p>
-        </p:txBody>
-      </p:sp>
-      <p:sp>
-        <p:nvSpPr>
-          <p:cNvPr id="4" name="Slide Number Placeholder 3"/>
-          <p:cNvSpPr>
-            <a:spLocks noGrp="1"/>
-          </p:cNvSpPr>
-          <p:nvPr>
-            <p:ph type="sldNum" sz="quarter" idx="12"/>
-          </p:nvPr>
-        </p:nvSpPr>
-        <p:spPr/>
-        <p:txBody>
-          <a:bodyPr/>
-          <a:lstStyle/>
-          <a:p>
-            <a:fld id="{0A164282-434E-41D4-9582-783D542A7B68}" type="slidenum">
-              <a:rPr lang="en-US" smtClean="0"/>
-              <a:t>20</a:t>
-            </a:fld>
-            <a:endParaRPr lang="en-US"/>
-          </a:p>
-        </p:txBody>
-      </p:sp>
-    </p:spTree>
-    <p:extLst>
-      <p:ext uri="{BB962C8B-B14F-4D97-AF65-F5344CB8AC3E}">
-        <p14:creationId xmlns:p14="http://schemas.microsoft.com/office/powerpoint/2010/main" val="2589799326"/>
-      </p:ext>
-    </p:extLst>
-  </p:cSld>
-  <p:clrMapOvr>
-    <a:masterClrMapping/>
-  </p:clrMapOvr>
-</p:sld>
-</file>
-
-<file path=ppt/slides/slide21.xml><?xml version="1.0" encoding="utf-8"?>
-<p:sld xmlns:a="http://schemas.openxmlformats.org/drawingml/2006/main" xmlns:r="http://schemas.openxmlformats.org/officeDocument/2006/relationships" xmlns:p="http://schemas.openxmlformats.org/presentationml/2006/main">
-  <p:cSld>
     <p:bg>
       <p:bgPr>
         <a:solidFill>
@@ -21991,8 +21891,8 @@
           <a:lstStyle/>
           <a:p>
             <a:r>
-              <a:rPr lang="en-US" dirty="0" smtClean="0"/>
-              <a:t>Browser Link</a:t>
+              <a:rPr lang="en-US" dirty="0" err="1" smtClean="0"/>
+              <a:t>BrowserLink</a:t>
             </a:r>
             <a:endParaRPr lang="en-US" dirty="0"/>
           </a:p>
@@ -22092,7 +21992,7 @@
         </p:nvSpPr>
         <p:spPr>
           <a:xfrm>
-            <a:off x="393655" y="287058"/>
+            <a:off x="393655" y="-808"/>
             <a:ext cx="10364451" cy="1596177"/>
           </a:xfrm>
         </p:spPr>
@@ -22102,15 +22002,7 @@
           <a:p>
             <a:r>
               <a:rPr lang="en-US" dirty="0" smtClean="0"/>
-              <a:t>ASP.NET </a:t>
-            </a:r>
-            <a:r>
-              <a:rPr lang="en-US" dirty="0" smtClean="0"/>
-              <a:t>&amp; </a:t>
-            </a:r>
-            <a:r>
-              <a:rPr lang="en-US" dirty="0" smtClean="0"/>
-              <a:t>Web Tools 2012.2</a:t>
+              <a:t>ASP.NET and Web Tools 2012.2</a:t>
             </a:r>
             <a:br>
               <a:rPr lang="en-US" dirty="0" smtClean="0"/>
@@ -22120,6 +22012,25 @@
               <a:t>(Included in Visual Studio Updates)</a:t>
             </a:r>
             <a:endParaRPr lang="en-US" sz="3600" dirty="0"/>
+          </a:p>
+        </p:txBody>
+      </p:sp>
+      <p:sp>
+        <p:nvSpPr>
+          <p:cNvPr id="3" name="Text Placeholder 2"/>
+          <p:cNvSpPr>
+            <a:spLocks noGrp="1"/>
+          </p:cNvSpPr>
+          <p:nvPr>
+            <p:ph type="body" sz="quarter" idx="10"/>
+          </p:nvPr>
+        </p:nvSpPr>
+        <p:spPr/>
+        <p:txBody>
+          <a:bodyPr/>
+          <a:lstStyle/>
+          <a:p>
+            <a:endParaRPr lang="en-US"/>
           </a:p>
         </p:txBody>
       </p:sp>
@@ -22145,8 +22056,8 @@
         </p:blipFill>
         <p:spPr>
           <a:xfrm>
-            <a:off x="1706642" y="1980270"/>
-            <a:ext cx="8778717" cy="4689411"/>
+            <a:off x="1212306" y="1424784"/>
+            <a:ext cx="9767387" cy="5217539"/>
           </a:xfrm>
           <a:prstGeom prst="rect">
             <a:avLst/>
